--- a/IPTIP Hakaton.pptx
+++ b/IPTIP Hakaton.pptx
@@ -340,7 +340,7 @@
           <a:p>
             <a:fld id="{40ACF7C0-28B3-41A9-9057-242F3CBF89C3}" type="datetimeFigureOut">
               <a:rPr lang="ru-RU" smtClean="0"/>
-              <a:t>14.12.2023</a:t>
+              <a:t>15.12.2023</a:t>
             </a:fld>
             <a:endParaRPr lang="ru-RU"/>
           </a:p>
@@ -32086,6 +32086,28 @@
               <a:t>	PostgreSQL, Node.js, Express.js, MongoDB, Python</a:t>
             </a:r>
             <a:endParaRPr lang="ru-RU" dirty="0">
+              <a:latin typeface="Red Hat Mono" panose="02010309040201060303" charset="0"/>
+              <a:ea typeface="Red Hat Mono" panose="02010309040201060303" charset="0"/>
+              <a:cs typeface="Red Hat Mono" panose="02010309040201060303" charset="0"/>
+            </a:endParaRPr>
+          </a:p>
+          <a:p>
+            <a:r>
+              <a:rPr lang="ru-RU" dirty="0">
+                <a:ea typeface="Red Hat Mono" panose="02010309040201060303" charset="0"/>
+                <a:cs typeface="Red Hat Mono" panose="02010309040201060303" charset="0"/>
+              </a:rPr>
+              <a:t>	</a:t>
+            </a:r>
+            <a:r>
+              <a:rPr lang="en-US" dirty="0">
+                <a:latin typeface="Red Hat Mono" panose="02010309040201060303" charset="0"/>
+                <a:ea typeface="Red Hat Mono" panose="02010309040201060303" charset="0"/>
+                <a:cs typeface="Red Hat Mono" panose="02010309040201060303" charset="0"/>
+              </a:rPr>
+              <a:t>OS Astra Linux</a:t>
+            </a:r>
+            <a:endParaRPr lang="ru-RU" dirty="0">
               <a:ea typeface="Red Hat Mono" panose="02010309040201060303" charset="0"/>
               <a:cs typeface="Red Hat Mono" panose="02010309040201060303" charset="0"/>
             </a:endParaRPr>
@@ -32129,6 +32151,53 @@
             <a:off x="5762099" y="1155516"/>
             <a:ext cx="5203469" cy="5200015"/>
           </a:xfrm>
+        </p:spPr>
+      </p:pic>
+      <p:pic>
+        <p:nvPicPr>
+          <p:cNvPr id="1026" name="Picture 2" descr="Группа Астра» лидер российского рынка информационных технологий в области  разработки программного обеспечения (ПО) и средств защиты информации.  Российская операционная система (ОС) семейства Astra Linux">
+            <a:extLst>
+              <a:ext uri="{FF2B5EF4-FFF2-40B4-BE49-F238E27FC236}">
+                <a16:creationId xmlns:a16="http://schemas.microsoft.com/office/drawing/2014/main" id="{12568F45-0873-98B6-3BC7-E02C06DCFB49}"/>
+              </a:ext>
+            </a:extLst>
+          </p:cNvPr>
+          <p:cNvPicPr>
+            <a:picLocks noChangeAspect="1" noChangeArrowheads="1"/>
+          </p:cNvPicPr>
+          <p:nvPr/>
+        </p:nvPicPr>
+        <p:blipFill>
+          <a:blip r:embed="rId4">
+            <a:extLst>
+              <a:ext uri="{28A0092B-C50C-407E-A947-70E740481C1C}">
+                <a14:useLocalDpi xmlns:a14="http://schemas.microsoft.com/office/drawing/2010/main" val="0"/>
+              </a:ext>
+            </a:extLst>
+          </a:blip>
+          <a:srcRect/>
+          <a:stretch>
+            <a:fillRect/>
+          </a:stretch>
+        </p:blipFill>
+        <p:spPr bwMode="auto">
+          <a:xfrm>
+            <a:off x="834959" y="5339708"/>
+            <a:ext cx="2160034" cy="574040"/>
+          </a:xfrm>
+          <a:prstGeom prst="rect">
+            <a:avLst/>
+          </a:prstGeom>
+          <a:noFill/>
+          <a:extLst>
+            <a:ext uri="{909E8E84-426E-40DD-AFC4-6F175D3DCCD1}">
+              <a14:hiddenFill xmlns:a14="http://schemas.microsoft.com/office/drawing/2010/main">
+                <a:solidFill>
+                  <a:srgbClr val="FFFFFF"/>
+                </a:solidFill>
+              </a14:hiddenFill>
+            </a:ext>
+          </a:extLst>
         </p:spPr>
       </p:pic>
     </p:spTree>
